--- a/Разработка системы управления аптечным складом.pptx
+++ b/Разработка системы управления аптечным складом.pptx
@@ -9,9 +9,9 @@
   </p:notesMasterIdLst>
   <p:sldIdLst>
     <p:sldId id="256" r:id="rId2"/>
-    <p:sldId id="259" r:id="rId3"/>
-    <p:sldId id="257" r:id="rId4"/>
-    <p:sldId id="258" r:id="rId5"/>
+    <p:sldId id="258" r:id="rId3"/>
+    <p:sldId id="259" r:id="rId4"/>
+    <p:sldId id="257" r:id="rId5"/>
     <p:sldId id="260" r:id="rId6"/>
     <p:sldId id="261" r:id="rId7"/>
     <p:sldId id="262" r:id="rId8"/>
@@ -113,6 +113,14 @@
       </a:defRPr>
     </a:lvl9pPr>
   </p:defaultTextStyle>
+  <p:extLst>
+    <p:ext uri="{EFAFB233-063F-42B5-8137-9DF3F51BA10A}">
+      <p15:sldGuideLst xmlns:p15="http://schemas.microsoft.com/office/powerpoint/2012/main"/>
+    </p:ext>
+    <p:ext uri="{2D200454-40CA-4A62-9FC3-DE9A4176ACB9}">
+      <p15:notesGuideLst xmlns:p15="http://schemas.microsoft.com/office/powerpoint/2012/main"/>
+    </p:ext>
+  </p:extLst>
 </p:presentation>
 </file>
 
@@ -644,7 +652,7 @@
           <a:effectLst/>
           <a:extLst>
             <a:ext uri="{91240B29-F687-4f45-9708-019B960494DF}">
-              <a14:hiddenLine xmlns:a14="http://schemas.microsoft.com/office/drawing/2010/main" xmlns="" w="9525">
+              <a14:hiddenLine xmlns="" xmlns:a14="http://schemas.microsoft.com/office/drawing/2010/main" w="9525">
                 <a:solidFill>
                   <a:srgbClr val="000000"/>
                 </a:solidFill>
@@ -2166,7 +2174,7 @@
           <a:ln/>
           <a:extLst>
             <a:ext uri="{91240B29-F687-4f45-9708-019B960494DF}">
-              <a14:hiddenLine xmlns:a14="http://schemas.microsoft.com/office/drawing/2010/main" xmlns="" w="9525">
+              <a14:hiddenLine xmlns="" xmlns:a14="http://schemas.microsoft.com/office/drawing/2010/main" w="9525">
                 <a:solidFill>
                   <a:srgbClr val="000000"/>
                 </a:solidFill>
@@ -2441,7 +2449,7 @@
           <a:ln/>
           <a:extLst>
             <a:ext uri="{91240B29-F687-4f45-9708-019B960494DF}">
-              <a14:hiddenLine xmlns:a14="http://schemas.microsoft.com/office/drawing/2010/main" xmlns="" w="9525">
+              <a14:hiddenLine xmlns="" xmlns:a14="http://schemas.microsoft.com/office/drawing/2010/main" w="9525">
                 <a:solidFill>
                   <a:srgbClr val="000000"/>
                 </a:solidFill>
@@ -2724,7 +2732,7 @@
           <a:ln/>
           <a:extLst>
             <a:ext uri="{91240B29-F687-4f45-9708-019B960494DF}">
-              <a14:hiddenLine xmlns:a14="http://schemas.microsoft.com/office/drawing/2010/main" xmlns="" w="9525">
+              <a14:hiddenLine xmlns="" xmlns:a14="http://schemas.microsoft.com/office/drawing/2010/main" w="9525">
                 <a:solidFill>
                   <a:srgbClr val="000000"/>
                 </a:solidFill>
@@ -3350,7 +3358,7 @@
           <a:ln/>
           <a:extLst>
             <a:ext uri="{91240B29-F687-4f45-9708-019B960494DF}">
-              <a14:hiddenLine xmlns:a14="http://schemas.microsoft.com/office/drawing/2010/main" xmlns="" w="9525">
+              <a14:hiddenLine xmlns="" xmlns:a14="http://schemas.microsoft.com/office/drawing/2010/main" w="9525">
                 <a:solidFill>
                   <a:srgbClr val="000000"/>
                 </a:solidFill>
@@ -3689,7 +3697,7 @@
           <a:ln/>
           <a:extLst>
             <a:ext uri="{91240B29-F687-4f45-9708-019B960494DF}">
-              <a14:hiddenLine xmlns:a14="http://schemas.microsoft.com/office/drawing/2010/main" xmlns="" w="9525">
+              <a14:hiddenLine xmlns="" xmlns:a14="http://schemas.microsoft.com/office/drawing/2010/main" w="9525">
                 <a:solidFill>
                   <a:srgbClr val="000000"/>
                 </a:solidFill>
@@ -4166,7 +4174,7 @@
           <a:ln/>
           <a:extLst>
             <a:ext uri="{91240B29-F687-4f45-9708-019B960494DF}">
-              <a14:hiddenLine xmlns:a14="http://schemas.microsoft.com/office/drawing/2010/main" xmlns="" w="9525">
+              <a14:hiddenLine xmlns="" xmlns:a14="http://schemas.microsoft.com/office/drawing/2010/main" w="9525">
                 <a:solidFill>
                   <a:srgbClr val="000000"/>
                 </a:solidFill>
@@ -4595,7 +4603,7 @@
           <a:ln/>
           <a:extLst>
             <a:ext uri="{91240B29-F687-4f45-9708-019B960494DF}">
-              <a14:hiddenLine xmlns:a14="http://schemas.microsoft.com/office/drawing/2010/main" xmlns="" w="9525">
+              <a14:hiddenLine xmlns="" xmlns:a14="http://schemas.microsoft.com/office/drawing/2010/main" w="9525">
                 <a:solidFill>
                   <a:srgbClr val="000000"/>
                 </a:solidFill>
@@ -6235,10 +6243,42 @@
       </p:grpSpPr>
       <p:sp>
         <p:nvSpPr>
+          <p:cNvPr id="2" name="Заголовок 1">
+            <a:extLst>
+              <a:ext uri="{FF2B5EF4-FFF2-40B4-BE49-F238E27FC236}">
+                <a16:creationId xmlns:a16="http://schemas.microsoft.com/office/drawing/2014/main" id="{1FC8F6C7-8D2B-4058-992D-8FF2966A2C0E}"/>
+              </a:ext>
+            </a:extLst>
+          </p:cNvPr>
+          <p:cNvSpPr>
+            <a:spLocks noGrp="1"/>
+          </p:cNvSpPr>
+          <p:nvPr>
+            <p:ph type="title"/>
+          </p:nvPr>
+        </p:nvSpPr>
+        <p:spPr/>
+        <p:txBody>
+          <a:bodyPr/>
+          <a:lstStyle/>
+          <a:p>
+            <a:r>
+              <a:rPr lang="ru-RU" dirty="0">
+                <a:latin typeface="Times New Roman" panose="02020603050405020304" pitchFamily="18" charset="0"/>
+                <a:cs typeface="Times New Roman" panose="02020603050405020304" pitchFamily="18" charset="0"/>
+              </a:rPr>
+              <a:t>Цель и задачи проекта</a:t>
+            </a:r>
+            <a:endParaRPr lang="ru-RU" dirty="0"/>
+          </a:p>
+        </p:txBody>
+      </p:sp>
+      <p:sp>
+        <p:nvSpPr>
           <p:cNvPr id="3" name="Объект 2">
             <a:extLst>
               <a:ext uri="{FF2B5EF4-FFF2-40B4-BE49-F238E27FC236}">
-                <a16:creationId xmlns:a16="http://schemas.microsoft.com/office/drawing/2014/main" id="{E50C06E5-85EC-44D0-8694-C9761E845978}"/>
+                <a16:creationId xmlns:a16="http://schemas.microsoft.com/office/drawing/2014/main" id="{3A397C5D-60B7-4381-AE24-8BC0224030F2}"/>
               </a:ext>
             </a:extLst>
           </p:cNvPr>
@@ -6251,32 +6291,63 @@
         </p:nvSpPr>
         <p:spPr/>
         <p:txBody>
-          <a:bodyPr/>
+          <a:bodyPr>
+            <a:normAutofit/>
+          </a:bodyPr>
           <a:lstStyle/>
           <a:p>
+            <a:pPr marL="0" indent="0">
+              <a:buNone/>
+            </a:pPr>
             <a:r>
               <a:rPr lang="ru-RU" b="1" dirty="0"/>
-              <a:t>Проблема:</a:t>
+              <a:t>Цель:</a:t>
             </a:r>
             <a:r>
               <a:rPr lang="ru-RU" dirty="0"/>
-              <a:t> Учёт товаров на аптечном складе вручную или в устаревших системах приводит к ошибкам.</a:t>
-            </a:r>
-          </a:p>
-          <a:p>
+              <a:t> Разработать </a:t>
+            </a:r>
+            <a:r>
+              <a:rPr lang="ru-RU" dirty="0" err="1"/>
+              <a:t>desktop</a:t>
+            </a:r>
+            <a:r>
+              <a:rPr lang="ru-RU" dirty="0"/>
+              <a:t>-приложение для автоматизации, контроля и учёта товародвижения на аптечном складе.</a:t>
+            </a:r>
+          </a:p>
+          <a:p>
+            <a:pPr marL="0" indent="0">
+              <a:buNone/>
+            </a:pPr>
             <a:r>
               <a:rPr lang="ru-RU" b="1" dirty="0"/>
-              <a:t>Решение:</a:t>
+              <a:t>Задачи</a:t>
             </a:r>
             <a:r>
               <a:rPr lang="ru-RU" dirty="0"/>
-              <a:t> Специализированное ПО автоматизирует ключевые процессы. Это повышает точность, скорость работы и помогает соблюдать строгие нормативные требования.</a:t>
-            </a:r>
-          </a:p>
-          <a:p>
-            <a:pPr marL="0" indent="0">
-              <a:buNone/>
-            </a:pPr>
+              <a:t>:</a:t>
+            </a:r>
+          </a:p>
+          <a:p>
+            <a:r>
+              <a:rPr lang="ru-RU" dirty="0"/>
+              <a:t>Анализ</a:t>
+            </a:r>
+          </a:p>
+          <a:p>
+            <a:r>
+              <a:rPr lang="ru-RU" dirty="0"/>
+              <a:t>Проектирование</a:t>
+            </a:r>
+          </a:p>
+          <a:p>
+            <a:r>
+              <a:rPr lang="ru-RU" dirty="0"/>
+              <a:t>Тестирование</a:t>
+            </a:r>
+          </a:p>
+          <a:p>
             <a:endParaRPr lang="ru-RU" dirty="0"/>
           </a:p>
         </p:txBody>
@@ -6286,21 +6357,19 @@
           <p:cNvPr id="4" name="Заголовок 1">
             <a:extLst>
               <a:ext uri="{FF2B5EF4-FFF2-40B4-BE49-F238E27FC236}">
-                <a16:creationId xmlns:a16="http://schemas.microsoft.com/office/drawing/2014/main" id="{1C7899FE-207A-4DB6-8FA5-ECFF18726DE3}"/>
+                <a16:creationId xmlns:a16="http://schemas.microsoft.com/office/drawing/2014/main" id="{9CD1BE50-C62C-4BCF-893D-AFFD930FB12C}"/>
               </a:ext>
             </a:extLst>
           </p:cNvPr>
           <p:cNvSpPr txBox="1">
-            <a:spLocks noGrp="1"/>
-          </p:cNvSpPr>
-          <p:nvPr>
-            <p:ph type="title"/>
-          </p:nvPr>
+            <a:spLocks/>
+          </p:cNvSpPr>
+          <p:nvPr/>
         </p:nvSpPr>
         <p:spPr>
           <a:xfrm>
-            <a:off x="809625" y="447675"/>
-            <a:ext cx="10572750" cy="969963"/>
+            <a:off x="397933" y="228600"/>
+            <a:ext cx="9601200" cy="1485900"/>
           </a:xfrm>
           <a:prstGeom prst="rect">
             <a:avLst/>
@@ -6328,20 +6397,17 @@
             </a:lvl1pPr>
           </a:lstStyle>
           <a:p>
-            <a:r>
-              <a:rPr lang="ru-RU" dirty="0">
-                <a:latin typeface="Times New Roman" panose="02020603050405020304" pitchFamily="18" charset="0"/>
-                <a:cs typeface="Times New Roman" panose="02020603050405020304" pitchFamily="18" charset="0"/>
-              </a:rPr>
-              <a:t>Актуальность проекта</a:t>
-            </a:r>
+            <a:endParaRPr lang="ru-RU" dirty="0">
+              <a:latin typeface="Times New Roman" panose="02020603050405020304" pitchFamily="18" charset="0"/>
+              <a:cs typeface="Times New Roman" panose="02020603050405020304" pitchFamily="18" charset="0"/>
+            </a:endParaRPr>
           </a:p>
         </p:txBody>
       </p:sp>
     </p:spTree>
     <p:extLst>
       <p:ext uri="{BB962C8B-B14F-4D97-AF65-F5344CB8AC3E}">
-        <p14:creationId xmlns:p14="http://schemas.microsoft.com/office/powerpoint/2010/main" val="3494136535"/>
+        <p14:creationId xmlns:p14="http://schemas.microsoft.com/office/powerpoint/2010/main" val="2840243903"/>
       </p:ext>
     </p:extLst>
   </p:cSld>
@@ -6370,10 +6436,10 @@
       </p:grpSpPr>
       <p:sp>
         <p:nvSpPr>
-          <p:cNvPr id="2" name="Заголовок 1">
+          <p:cNvPr id="3" name="Объект 2">
             <a:extLst>
               <a:ext uri="{FF2B5EF4-FFF2-40B4-BE49-F238E27FC236}">
-                <a16:creationId xmlns:a16="http://schemas.microsoft.com/office/drawing/2014/main" id="{A6903529-0759-45B5-944E-73426AE1FB9D}"/>
+                <a16:creationId xmlns:a16="http://schemas.microsoft.com/office/drawing/2014/main" id="{E50C06E5-85EC-44D0-8694-C9761E845978}"/>
               </a:ext>
             </a:extLst>
           </p:cNvPr>
@@ -6381,71 +6447,102 @@
             <a:spLocks noGrp="1"/>
           </p:cNvSpPr>
           <p:nvPr>
-            <p:ph type="title"/>
+            <p:ph idx="1"/>
           </p:nvPr>
         </p:nvSpPr>
         <p:spPr/>
         <p:txBody>
           <a:bodyPr/>
           <a:lstStyle/>
+          <a:p>
+            <a:r>
+              <a:rPr lang="ru-RU" b="1" dirty="0"/>
+              <a:t>Проблема:</a:t>
+            </a:r>
+            <a:r>
+              <a:rPr lang="ru-RU" dirty="0"/>
+              <a:t> Учёт товаров на аптечном складе вручную или в устаревших системах приводит к ошибкам.</a:t>
+            </a:r>
+          </a:p>
+          <a:p>
+            <a:r>
+              <a:rPr lang="ru-RU" b="1" dirty="0"/>
+              <a:t>Решение:</a:t>
+            </a:r>
+            <a:r>
+              <a:rPr lang="ru-RU" dirty="0"/>
+              <a:t> Специализированное ПО автоматизирует ключевые процессы. Это повышает точность, скорость работы и помогает соблюдать строгие нормативные требования.</a:t>
+            </a:r>
+          </a:p>
+          <a:p>
+            <a:pPr marL="0" indent="0">
+              <a:buNone/>
+            </a:pPr>
+            <a:endParaRPr lang="ru-RU" dirty="0"/>
+          </a:p>
+        </p:txBody>
+      </p:sp>
+      <p:sp>
+        <p:nvSpPr>
+          <p:cNvPr id="4" name="Заголовок 1">
+            <a:extLst>
+              <a:ext uri="{FF2B5EF4-FFF2-40B4-BE49-F238E27FC236}">
+                <a16:creationId xmlns:a16="http://schemas.microsoft.com/office/drawing/2014/main" id="{1C7899FE-207A-4DB6-8FA5-ECFF18726DE3}"/>
+              </a:ext>
+            </a:extLst>
+          </p:cNvPr>
+          <p:cNvSpPr txBox="1">
+            <a:spLocks noGrp="1"/>
+          </p:cNvSpPr>
+          <p:nvPr>
+            <p:ph type="title"/>
+          </p:nvPr>
+        </p:nvSpPr>
+        <p:spPr>
+          <a:xfrm>
+            <a:off x="809625" y="447675"/>
+            <a:ext cx="10572750" cy="969963"/>
+          </a:xfrm>
+          <a:prstGeom prst="rect">
+            <a:avLst/>
+          </a:prstGeom>
+        </p:spPr>
+        <p:txBody>
+          <a:bodyPr/>
+          <a:lstStyle>
+            <a:lvl1pPr algn="l" defTabSz="914400" rtl="0" eaLnBrk="1" latinLnBrk="0" hangingPunct="1">
+              <a:lnSpc>
+                <a:spcPct val="90000"/>
+              </a:lnSpc>
+              <a:spcBef>
+                <a:spcPct val="0"/>
+              </a:spcBef>
+              <a:buNone/>
+              <a:defRPr sz="4400" kern="1200">
+                <a:solidFill>
+                  <a:schemeClr val="tx1"/>
+                </a:solidFill>
+                <a:latin typeface="+mj-lt"/>
+                <a:ea typeface="+mj-ea"/>
+                <a:cs typeface="+mj-cs"/>
+              </a:defRPr>
+            </a:lvl1pPr>
+          </a:lstStyle>
           <a:p>
             <a:r>
               <a:rPr lang="ru-RU" dirty="0">
                 <a:latin typeface="Times New Roman" panose="02020603050405020304" pitchFamily="18" charset="0"/>
                 <a:cs typeface="Times New Roman" panose="02020603050405020304" pitchFamily="18" charset="0"/>
               </a:rPr>
-              <a:t>Предметная область</a:t>
-            </a:r>
-            <a:endParaRPr lang="ru-RU" dirty="0"/>
-          </a:p>
-        </p:txBody>
-      </p:sp>
-      <p:sp>
-        <p:nvSpPr>
-          <p:cNvPr id="3" name="Объект 2">
-            <a:extLst>
-              <a:ext uri="{FF2B5EF4-FFF2-40B4-BE49-F238E27FC236}">
-                <a16:creationId xmlns:a16="http://schemas.microsoft.com/office/drawing/2014/main" id="{142E505C-0777-463B-8053-A59506B01DBB}"/>
-              </a:ext>
-            </a:extLst>
-          </p:cNvPr>
-          <p:cNvSpPr>
-            <a:spLocks noGrp="1"/>
-          </p:cNvSpPr>
-          <p:nvPr>
-            <p:ph idx="1"/>
-          </p:nvPr>
-        </p:nvSpPr>
-        <p:spPr>
-          <a:xfrm>
-            <a:off x="398582" y="1771265"/>
-            <a:ext cx="7034007" cy="3636511"/>
-          </a:xfrm>
-        </p:spPr>
-        <p:txBody>
-          <a:bodyPr>
-            <a:normAutofit/>
-          </a:bodyPr>
-          <a:lstStyle/>
-          <a:p>
-            <a:r>
-              <a:rPr lang="ru-RU" b="1" dirty="0"/>
-              <a:t>Предметная область проекта</a:t>
-            </a:r>
-            <a:r>
-              <a:rPr lang="ru-RU" dirty="0"/>
-              <a:t> — разработка информационной системы для автоматизации складского учёта в аптечной организации. Приложение превращает рутинные операции по приёму, хранению и отпуску лекарственных средств в контролируемый и документированный цифровой процесс.</a:t>
-            </a:r>
-          </a:p>
-          <a:p>
-            <a:endParaRPr lang="ru-RU" dirty="0"/>
+              <a:t>Актуальность проекта</a:t>
+            </a:r>
           </a:p>
         </p:txBody>
       </p:sp>
     </p:spTree>
     <p:extLst>
       <p:ext uri="{BB962C8B-B14F-4D97-AF65-F5344CB8AC3E}">
-        <p14:creationId xmlns:p14="http://schemas.microsoft.com/office/powerpoint/2010/main" val="3996548978"/>
+        <p14:creationId xmlns:p14="http://schemas.microsoft.com/office/powerpoint/2010/main" val="3494136535"/>
       </p:ext>
     </p:extLst>
   </p:cSld>
@@ -6477,7 +6574,7 @@
           <p:cNvPr id="2" name="Заголовок 1">
             <a:extLst>
               <a:ext uri="{FF2B5EF4-FFF2-40B4-BE49-F238E27FC236}">
-                <a16:creationId xmlns:a16="http://schemas.microsoft.com/office/drawing/2014/main" id="{1FC8F6C7-8D2B-4058-992D-8FF2966A2C0E}"/>
+                <a16:creationId xmlns:a16="http://schemas.microsoft.com/office/drawing/2014/main" id="{A6903529-0759-45B5-944E-73426AE1FB9D}"/>
               </a:ext>
             </a:extLst>
           </p:cNvPr>
@@ -6498,7 +6595,7 @@
                 <a:latin typeface="Times New Roman" panose="02020603050405020304" pitchFamily="18" charset="0"/>
                 <a:cs typeface="Times New Roman" panose="02020603050405020304" pitchFamily="18" charset="0"/>
               </a:rPr>
-              <a:t>Цель и задачи проекта</a:t>
+              <a:t>Предметная область</a:t>
             </a:r>
             <a:endParaRPr lang="ru-RU" dirty="0"/>
           </a:p>
@@ -6509,7 +6606,7 @@
           <p:cNvPr id="3" name="Объект 2">
             <a:extLst>
               <a:ext uri="{FF2B5EF4-FFF2-40B4-BE49-F238E27FC236}">
-                <a16:creationId xmlns:a16="http://schemas.microsoft.com/office/drawing/2014/main" id="{3A397C5D-60B7-4381-AE24-8BC0224030F2}"/>
+                <a16:creationId xmlns:a16="http://schemas.microsoft.com/office/drawing/2014/main" id="{142E505C-0777-463B-8053-A59506B01DBB}"/>
               </a:ext>
             </a:extLst>
           </p:cNvPr>
@@ -6520,125 +6617,36 @@
             <p:ph idx="1"/>
           </p:nvPr>
         </p:nvSpPr>
-        <p:spPr/>
+        <p:spPr>
+          <a:xfrm>
+            <a:off x="398582" y="1771265"/>
+            <a:ext cx="7034007" cy="3636511"/>
+          </a:xfrm>
+        </p:spPr>
         <p:txBody>
           <a:bodyPr>
             <a:normAutofit/>
           </a:bodyPr>
           <a:lstStyle/>
           <a:p>
-            <a:pPr marL="0" indent="0">
-              <a:buNone/>
-            </a:pPr>
             <a:r>
               <a:rPr lang="ru-RU" b="1" dirty="0"/>
-              <a:t>Цель:</a:t>
+              <a:t>Предметная область проекта</a:t>
             </a:r>
             <a:r>
               <a:rPr lang="ru-RU" dirty="0"/>
-              <a:t> Разработать </a:t>
-            </a:r>
-            <a:r>
-              <a:rPr lang="ru-RU" dirty="0" err="1"/>
-              <a:t>desktop</a:t>
-            </a:r>
-            <a:r>
-              <a:rPr lang="ru-RU" dirty="0"/>
-              <a:t>-приложение для автоматизации, контроля и учёта товародвижения на аптечном складе.</a:t>
-            </a:r>
-          </a:p>
-          <a:p>
-            <a:pPr marL="0" indent="0">
-              <a:buNone/>
-            </a:pPr>
-            <a:r>
-              <a:rPr lang="ru-RU" b="1" dirty="0"/>
-              <a:t>Задачи</a:t>
-            </a:r>
-            <a:r>
-              <a:rPr lang="ru-RU" dirty="0"/>
-              <a:t>:</a:t>
-            </a:r>
-          </a:p>
-          <a:p>
-            <a:r>
-              <a:rPr lang="ru-RU" dirty="0"/>
-              <a:t>Анализ</a:t>
-            </a:r>
-          </a:p>
-          <a:p>
-            <a:r>
-              <a:rPr lang="ru-RU" dirty="0"/>
-              <a:t>Проектирование</a:t>
-            </a:r>
-          </a:p>
-          <a:p>
-            <a:r>
-              <a:rPr lang="ru-RU" dirty="0"/>
-              <a:t>Тестирование</a:t>
+              <a:t> — разработка информационной системы для автоматизации складского учёта в аптечной организации. Приложение превращает рутинные операции по приёму, хранению и отпуску лекарственных средств в контролируемый и документированный цифровой процесс.</a:t>
             </a:r>
           </a:p>
           <a:p>
             <a:endParaRPr lang="ru-RU" dirty="0"/>
-          </a:p>
-        </p:txBody>
-      </p:sp>
-      <p:sp>
-        <p:nvSpPr>
-          <p:cNvPr id="4" name="Заголовок 1">
-            <a:extLst>
-              <a:ext uri="{FF2B5EF4-FFF2-40B4-BE49-F238E27FC236}">
-                <a16:creationId xmlns:a16="http://schemas.microsoft.com/office/drawing/2014/main" id="{9CD1BE50-C62C-4BCF-893D-AFFD930FB12C}"/>
-              </a:ext>
-            </a:extLst>
-          </p:cNvPr>
-          <p:cNvSpPr txBox="1">
-            <a:spLocks/>
-          </p:cNvSpPr>
-          <p:nvPr/>
-        </p:nvSpPr>
-        <p:spPr>
-          <a:xfrm>
-            <a:off x="397933" y="228600"/>
-            <a:ext cx="9601200" cy="1485900"/>
-          </a:xfrm>
-          <a:prstGeom prst="rect">
-            <a:avLst/>
-          </a:prstGeom>
-        </p:spPr>
-        <p:txBody>
-          <a:bodyPr/>
-          <a:lstStyle>
-            <a:lvl1pPr algn="l" defTabSz="914400" rtl="0" eaLnBrk="1" latinLnBrk="0" hangingPunct="1">
-              <a:lnSpc>
-                <a:spcPct val="90000"/>
-              </a:lnSpc>
-              <a:spcBef>
-                <a:spcPct val="0"/>
-              </a:spcBef>
-              <a:buNone/>
-              <a:defRPr sz="4400" kern="1200">
-                <a:solidFill>
-                  <a:schemeClr val="tx1"/>
-                </a:solidFill>
-                <a:latin typeface="+mj-lt"/>
-                <a:ea typeface="+mj-ea"/>
-                <a:cs typeface="+mj-cs"/>
-              </a:defRPr>
-            </a:lvl1pPr>
-          </a:lstStyle>
-          <a:p>
-            <a:endParaRPr lang="ru-RU" dirty="0">
-              <a:latin typeface="Times New Roman" panose="02020603050405020304" pitchFamily="18" charset="0"/>
-              <a:cs typeface="Times New Roman" panose="02020603050405020304" pitchFamily="18" charset="0"/>
-            </a:endParaRPr>
           </a:p>
         </p:txBody>
       </p:sp>
     </p:spTree>
     <p:extLst>
       <p:ext uri="{BB962C8B-B14F-4D97-AF65-F5344CB8AC3E}">
-        <p14:creationId xmlns:p14="http://schemas.microsoft.com/office/powerpoint/2010/main" val="2840243903"/>
+        <p14:creationId xmlns:p14="http://schemas.microsoft.com/office/powerpoint/2010/main" val="3996548978"/>
       </p:ext>
     </p:extLst>
   </p:cSld>
